--- a/Advanced Multimedia Information Processing and Communications/05 (14) Histograms/Histograms.pptx
+++ b/Advanced Multimedia Information Processing and Communications/05 (14) Histograms/Histograms.pptx
@@ -34070,10 +34070,10 @@
               <a:buNone/>
             </a:pPr>
             <a:r>
-              <a:rPr lang="en-US"/>
+              <a:rPr lang="en-US" dirty="0"/>
               <a:t>Histogram Matching (Histogram Specification)</a:t>
             </a:r>
-            <a:endParaRPr/>
+            <a:endParaRPr dirty="0"/>
           </a:p>
         </p:txBody>
       </p:sp>
@@ -34225,7 +34225,7 @@
               <a:buNone/>
             </a:pPr>
             <a:r>
-              <a:rPr lang="en-US" sz="3600" b="0" i="0" u="none" strike="noStrike" cap="none">
+              <a:rPr lang="en-US" sz="3600" b="0" i="0" u="none" strike="noStrike" cap="none" dirty="0">
                 <a:solidFill>
                   <a:srgbClr val="000000"/>
                 </a:solidFill>
@@ -34237,10 +34237,10 @@
               <a:t>Histogram Matching</a:t>
             </a:r>
             <a:br>
-              <a:rPr lang="en-US" sz="3600"/>
+              <a:rPr lang="en-US" sz="3600" dirty="0"/>
             </a:br>
             <a:r>
-              <a:rPr lang="en-US" sz="3600" b="0" i="0" u="none" strike="noStrike" cap="none">
+              <a:rPr lang="en-US" sz="3600" b="0" i="0" u="none" strike="noStrike" cap="none" dirty="0">
                 <a:solidFill>
                   <a:srgbClr val="000000"/>
                 </a:solidFill>
@@ -34252,11 +34252,11 @@
               <a:t>(</a:t>
             </a:r>
             <a:r>
-              <a:rPr lang="en-US" sz="3600"/>
+              <a:rPr lang="en-US" sz="3600" dirty="0"/>
               <a:t>Histogram</a:t>
             </a:r>
             <a:r>
-              <a:rPr lang="en-US" sz="3600" b="0" i="0" u="none" strike="noStrike" cap="none">
+              <a:rPr lang="en-US" sz="3600" b="0" i="0" u="none" strike="noStrike" cap="none" dirty="0">
                 <a:solidFill>
                   <a:srgbClr val="000000"/>
                 </a:solidFill>
@@ -34267,7 +34267,7 @@
               </a:rPr>
               <a:t> Specification)</a:t>
             </a:r>
-            <a:endParaRPr sz="3600" b="0" i="0" u="none" strike="noStrike" cap="none">
+            <a:endParaRPr sz="3600" b="0" i="0" u="none" strike="noStrike" cap="none" dirty="0">
               <a:solidFill>
                 <a:srgbClr val="000000"/>
               </a:solidFill>
@@ -34326,7 +34326,7 @@
               <a:buChar char="»"/>
             </a:pPr>
             <a:r>
-              <a:rPr lang="en-US" sz="2400" b="0" i="0" u="none" strike="noStrike" cap="none">
+              <a:rPr lang="en-US" sz="2400" b="0" i="0" u="none" strike="noStrike" cap="none" dirty="0">
                 <a:solidFill>
                   <a:srgbClr val="000000"/>
                 </a:solidFill>
@@ -34338,11 +34338,11 @@
               <a:t>Transformation of an image so that its histogram match</a:t>
             </a:r>
             <a:r>
-              <a:rPr lang="en-US" sz="2400"/>
+              <a:rPr lang="en-US" sz="2400" dirty="0"/>
               <a:t>es a</a:t>
             </a:r>
             <a:r>
-              <a:rPr lang="en-US" sz="2400" b="0" i="0" u="none" strike="noStrike" cap="none">
+              <a:rPr lang="en-US" sz="2400" b="0" i="0" u="none" strike="noStrike" cap="none" dirty="0">
                 <a:solidFill>
                   <a:srgbClr val="000000"/>
                 </a:solidFill>
@@ -34353,7 +34353,7 @@
               </a:rPr>
               <a:t> specified histogram</a:t>
             </a:r>
-            <a:endParaRPr sz="2400"/>
+            <a:endParaRPr sz="2400" dirty="0"/>
           </a:p>
           <a:p>
             <a:pPr marL="334328" marR="0" lvl="0" indent="-364426" algn="l" rtl="0">
@@ -34374,7 +34374,7 @@
               <a:buChar char="»"/>
             </a:pPr>
             <a:r>
-              <a:rPr lang="en-US" sz="2400" b="0" i="0" u="none" strike="noStrike" cap="none">
+              <a:rPr lang="en-US" sz="2400" b="0" i="0" u="none" strike="noStrike" cap="none" dirty="0">
                 <a:solidFill>
                   <a:srgbClr val="000000"/>
                 </a:solidFill>
@@ -34386,7 +34386,7 @@
               <a:t>Useful to normalize </a:t>
             </a:r>
             <a:r>
-              <a:rPr lang="en-US" sz="2400" b="1" i="0" u="none" strike="noStrike" cap="none">
+              <a:rPr lang="en-US" sz="2400" b="1" i="0" u="none" strike="noStrike" cap="none" dirty="0">
                 <a:solidFill>
                   <a:srgbClr val="1E1E1E"/>
                 </a:solidFill>
@@ -34398,7 +34398,7 @@
               <a:t>2</a:t>
             </a:r>
             <a:r>
-              <a:rPr lang="en-US" sz="2400" b="0" i="0" u="none" strike="noStrike" cap="none">
+              <a:rPr lang="en-US" sz="2400" b="0" i="0" u="none" strike="noStrike" cap="none" dirty="0">
                 <a:solidFill>
                   <a:srgbClr val="000000"/>
                 </a:solidFill>
@@ -34409,7 +34409,7 @@
               </a:rPr>
               <a:t> images, when images acquired at:</a:t>
             </a:r>
-            <a:endParaRPr sz="2400"/>
+            <a:endParaRPr sz="2400" dirty="0"/>
           </a:p>
           <a:p>
             <a:pPr marL="759714" marR="0" lvl="1" indent="-344042" algn="l" rtl="0">
@@ -34430,11 +34430,11 @@
               <a:buChar char="–"/>
             </a:pPr>
             <a:r>
-              <a:rPr lang="en-US" sz="2400" b="1"/>
+              <a:rPr lang="en-US" sz="2400" b="1" dirty="0"/>
               <a:t>The s</a:t>
             </a:r>
             <a:r>
-              <a:rPr lang="en-US" sz="2400" b="1" i="0" u="none" strike="noStrike" cap="none">
+              <a:rPr lang="en-US" sz="2400" b="1" i="0" u="none" strike="noStrike" cap="none" dirty="0">
                 <a:solidFill>
                   <a:srgbClr val="000000"/>
                 </a:solidFill>
@@ -34442,7 +34442,7 @@
               <a:t>ame</a:t>
             </a:r>
             <a:r>
-              <a:rPr lang="en-US" sz="2400" b="0" i="0" u="none" strike="noStrike" cap="none">
+              <a:rPr lang="en-US" sz="2400" b="0" i="0" u="none" strike="noStrike" cap="none" dirty="0">
                 <a:solidFill>
                   <a:srgbClr val="000000"/>
                 </a:solidFill>
@@ -34454,10 +34454,10 @@
               <a:t> local illumination</a:t>
             </a:r>
             <a:br>
-              <a:rPr lang="en-US" sz="2400"/>
+              <a:rPr lang="en-US" sz="2400" dirty="0"/>
             </a:br>
             <a:r>
-              <a:rPr lang="en-US" sz="2400" b="0" i="0" u="none" strike="noStrike" cap="none">
+              <a:rPr lang="en-US" sz="2400" b="0" i="0" u="none" strike="noStrike" cap="none" dirty="0">
                 <a:solidFill>
                   <a:srgbClr val="000000"/>
                 </a:solidFill>
@@ -34469,14 +34469,14 @@
               <a:t>(such as shadows) over</a:t>
             </a:r>
             <a:br>
-              <a:rPr lang="en-US" sz="2400"/>
+              <a:rPr lang="en-US" sz="2400" dirty="0"/>
             </a:br>
             <a:r>
-              <a:rPr lang="en-US" sz="2400"/>
+              <a:rPr lang="en-US" sz="2400" dirty="0"/>
               <a:t>the </a:t>
             </a:r>
             <a:r>
-              <a:rPr lang="en-US" sz="2400" b="0" i="0" u="none" strike="noStrike" cap="none">
+              <a:rPr lang="en-US" sz="2400" b="0" i="0" u="none" strike="noStrike" cap="none" dirty="0">
                 <a:solidFill>
                   <a:srgbClr val="000000"/>
                 </a:solidFill>
@@ -34487,7 +34487,7 @@
               </a:rPr>
               <a:t>same location, but by</a:t>
             </a:r>
-            <a:endParaRPr sz="2400"/>
+            <a:endParaRPr sz="2400" dirty="0"/>
           </a:p>
           <a:p>
             <a:pPr marL="759714" marR="0" lvl="1" indent="-344042" algn="l" rtl="0">
@@ -34508,7 +34508,7 @@
               <a:buChar char="–"/>
             </a:pPr>
             <a:r>
-              <a:rPr lang="en-US" sz="2400" b="1" i="0" u="none" strike="noStrike" cap="none">
+              <a:rPr lang="en-US" sz="2400" b="1" i="0" u="none" strike="noStrike" cap="none" dirty="0">
                 <a:solidFill>
                   <a:srgbClr val="000000"/>
                 </a:solidFill>
@@ -34516,7 +34516,7 @@
               <a:t>Different</a:t>
             </a:r>
             <a:r>
-              <a:rPr lang="en-US" sz="2400" b="0" i="0" u="none" strike="noStrike" cap="none">
+              <a:rPr lang="en-US" sz="2400" b="0" i="0" u="none" strike="noStrike" cap="none" dirty="0">
                 <a:solidFill>
                   <a:srgbClr val="000000"/>
                 </a:solidFill>
@@ -34527,7 +34527,7 @@
               </a:rPr>
               <a:t>:</a:t>
             </a:r>
-            <a:endParaRPr sz="2400"/>
+            <a:endParaRPr sz="2400" dirty="0"/>
           </a:p>
           <a:p>
             <a:pPr marL="1189177" marR="0" lvl="2" indent="-326374" algn="l" rtl="0">
@@ -34548,7 +34548,7 @@
               <a:buChar char="•"/>
             </a:pPr>
             <a:r>
-              <a:rPr lang="en-US" sz="2400" b="0" i="0" u="none" strike="noStrike" cap="none">
+              <a:rPr lang="en-US" sz="2400" b="0" i="0" u="none" strike="noStrike" cap="none" dirty="0">
                 <a:solidFill>
                   <a:srgbClr val="000000"/>
                 </a:solidFill>
@@ -34559,7 +34559,7 @@
               </a:rPr>
               <a:t>Sensors,</a:t>
             </a:r>
-            <a:endParaRPr sz="2400"/>
+            <a:endParaRPr sz="2400" dirty="0"/>
           </a:p>
           <a:p>
             <a:pPr marL="1189177" marR="0" lvl="2" indent="-326374" algn="l" rtl="0">
@@ -34580,7 +34580,7 @@
               <a:buChar char="•"/>
             </a:pPr>
             <a:r>
-              <a:rPr lang="en-US" sz="2400" b="0" i="0" u="none" strike="noStrike" cap="none">
+              <a:rPr lang="en-US" sz="2400" b="0" i="0" u="none" strike="noStrike" cap="none" dirty="0">
                 <a:solidFill>
                   <a:srgbClr val="000000"/>
                 </a:solidFill>
@@ -34592,10 +34592,10 @@
               <a:t>Atmospheric conditions,</a:t>
             </a:r>
             <a:br>
-              <a:rPr lang="en-US" sz="2400"/>
+              <a:rPr lang="en-US" sz="2400" dirty="0"/>
             </a:br>
             <a:r>
-              <a:rPr lang="en-US" sz="2400" b="0" i="0" u="none" strike="noStrike" cap="none">
+              <a:rPr lang="en-US" sz="2400" b="0" i="0" u="none" strike="noStrike" cap="none" dirty="0">
                 <a:solidFill>
                   <a:srgbClr val="000000"/>
                 </a:solidFill>
@@ -34606,7 +34606,7 @@
               </a:rPr>
               <a:t>or </a:t>
             </a:r>
-            <a:endParaRPr sz="2400"/>
+            <a:endParaRPr sz="2400" dirty="0"/>
           </a:p>
           <a:p>
             <a:pPr marL="1189177" marR="0" lvl="2" indent="-326374" algn="l" rtl="0">
@@ -34627,7 +34627,7 @@
               <a:buChar char="•"/>
             </a:pPr>
             <a:r>
-              <a:rPr lang="en-US" sz="2400" b="0" i="0" u="none" strike="noStrike" cap="none">
+              <a:rPr lang="en-US" sz="2400" b="0" i="0" u="none" strike="noStrike" cap="none" dirty="0">
                 <a:solidFill>
                   <a:srgbClr val="000000"/>
                 </a:solidFill>
@@ -34639,10 +34639,10 @@
               <a:t>Global illumination</a:t>
             </a:r>
             <a:r>
-              <a:rPr lang="en-US" sz="2400"/>
+              <a:rPr lang="en-US" sz="2400" dirty="0"/>
               <a:t>.</a:t>
             </a:r>
-            <a:endParaRPr sz="2400"/>
+            <a:endParaRPr sz="2400" dirty="0"/>
           </a:p>
         </p:txBody>
       </p:sp>
@@ -34712,15 +34712,31 @@
               <a:buNone/>
             </a:pPr>
             <a:r>
-              <a:rPr lang="en-US" sz="600">
+              <a:rPr lang="en-US" sz="600" dirty="0">
                 <a:solidFill>
                   <a:schemeClr val="dk1"/>
                 </a:solidFill>
               </a:rPr>
-              <a:t>By Llorenzi - </a:t>
+              <a:t>By </a:t>
             </a:r>
             <a:r>
-              <a:rPr lang="en-US" sz="600" u="sng">
+              <a:rPr lang="en-US" sz="600" dirty="0" err="1">
+                <a:solidFill>
+                  <a:schemeClr val="dk1"/>
+                </a:solidFill>
+              </a:rPr>
+              <a:t>Llorenzi</a:t>
+            </a:r>
+            <a:r>
+              <a:rPr lang="en-US" sz="600" dirty="0">
+                <a:solidFill>
+                  <a:schemeClr val="dk1"/>
+                </a:solidFill>
+              </a:rPr>
+              <a:t> - </a:t>
+            </a:r>
+            <a:r>
+              <a:rPr lang="en-US" sz="600" u="sng" dirty="0">
                 <a:solidFill>
                   <a:schemeClr val="hlink"/>
                 </a:solidFill>
@@ -34729,7 +34745,7 @@
               <a:t>https://commons.wikimedia.org/wiki/File:Histogram_matching.PNG</a:t>
             </a:r>
             <a:r>
-              <a:rPr lang="en-US" sz="600">
+              <a:rPr lang="en-US" sz="600" dirty="0">
                 <a:solidFill>
                   <a:schemeClr val="dk1"/>
                 </a:solidFill>
@@ -34737,7 +34753,7 @@
               <a:t>, CC BY-SA 3.0, </a:t>
             </a:r>
             <a:r>
-              <a:rPr lang="en-US" sz="600" u="sng">
+              <a:rPr lang="en-US" sz="600" u="sng" dirty="0">
                 <a:solidFill>
                   <a:schemeClr val="hlink"/>
                 </a:solidFill>
@@ -34745,7 +34761,7 @@
               </a:rPr>
               <a:t>https://commons.wikimedia.org/w/index.php?curid=65976023</a:t>
             </a:r>
-            <a:endParaRPr sz="600" u="sng">
+            <a:endParaRPr sz="600" u="sng" dirty="0">
               <a:solidFill>
                 <a:schemeClr val="accent2"/>
               </a:solidFill>
@@ -34859,10 +34875,10 @@
               <a:buNone/>
             </a:pPr>
             <a:r>
-              <a:rPr lang="en-US" sz="4200"/>
+              <a:rPr lang="en-US" sz="4200" dirty="0"/>
               <a:t>Example</a:t>
             </a:r>
-            <a:endParaRPr sz="4200"/>
+            <a:endParaRPr sz="4200" dirty="0"/>
           </a:p>
         </p:txBody>
       </p:sp>
@@ -34901,11 +34917,19 @@
               <a:buNone/>
             </a:pPr>
             <a:r>
-              <a:rPr lang="en-US" sz="600"/>
-              <a:t>By Sinonalexander - Own work, CC BY-SA 4.0, </a:t>
+              <a:rPr lang="en-US" sz="600" dirty="0"/>
+              <a:t>By </a:t>
             </a:r>
             <a:r>
-              <a:rPr lang="en-US" sz="600" u="sng">
+              <a:rPr lang="en-US" sz="600" dirty="0" err="1"/>
+              <a:t>Sinonalexander</a:t>
+            </a:r>
+            <a:r>
+              <a:rPr lang="en-US" sz="600" dirty="0"/>
+              <a:t> - Own work, CC BY-SA 4.0, </a:t>
+            </a:r>
+            <a:r>
+              <a:rPr lang="en-US" sz="600" u="sng" dirty="0">
                 <a:solidFill>
                   <a:schemeClr val="hlink"/>
                 </a:solidFill>
@@ -34913,7 +34937,7 @@
               </a:rPr>
               <a:t>https://commons.wikimedia.org/w/index.php?curid=68375000</a:t>
             </a:r>
-            <a:endParaRPr sz="600"/>
+            <a:endParaRPr sz="600" dirty="0"/>
           </a:p>
         </p:txBody>
       </p:sp>
@@ -34952,10 +34976,10 @@
               <a:buNone/>
             </a:pPr>
             <a:r>
-              <a:rPr lang="en-US" sz="3000"/>
+              <a:rPr lang="en-US" sz="3000" dirty="0"/>
               <a:t>Following input grayscale image to be changed to match a reference histogram:</a:t>
             </a:r>
-            <a:endParaRPr sz="3000"/>
+            <a:endParaRPr sz="3000" dirty="0"/>
           </a:p>
         </p:txBody>
       </p:sp>
@@ -35093,10 +35117,10 @@
               <a:buNone/>
             </a:pPr>
             <a:r>
-              <a:rPr lang="en-US"/>
+              <a:rPr lang="en-US" dirty="0"/>
               <a:t>Histogram of Input Image</a:t>
             </a:r>
-            <a:endParaRPr/>
+            <a:endParaRPr dirty="0"/>
           </a:p>
         </p:txBody>
       </p:sp>
@@ -35135,10 +35159,10 @@
               <a:buNone/>
             </a:pPr>
             <a:r>
-              <a:rPr lang="en-US"/>
+              <a:rPr lang="en-US" dirty="0"/>
               <a:t>Input image having following histogram:</a:t>
             </a:r>
-            <a:endParaRPr/>
+            <a:endParaRPr dirty="0"/>
           </a:p>
         </p:txBody>
       </p:sp>
@@ -35205,11 +35229,19 @@
               <a:buNone/>
             </a:pPr>
             <a:r>
-              <a:rPr lang="en-US" sz="600"/>
-              <a:t>By Sinonalexander - Own work, CC BY-SA 4.0, </a:t>
+              <a:rPr lang="en-US" sz="600" dirty="0"/>
+              <a:t>By </a:t>
             </a:r>
             <a:r>
-              <a:rPr lang="en-US" sz="600" u="sng">
+              <a:rPr lang="en-US" sz="600" dirty="0" err="1"/>
+              <a:t>Sinonalexander</a:t>
+            </a:r>
+            <a:r>
+              <a:rPr lang="en-US" sz="600" dirty="0"/>
+              <a:t> - Own work, CC BY-SA 4.0, </a:t>
+            </a:r>
+            <a:r>
+              <a:rPr lang="en-US" sz="600" u="sng" dirty="0">
                 <a:solidFill>
                   <a:schemeClr val="hlink"/>
                 </a:solidFill>
@@ -35217,7 +35249,7 @@
               </a:rPr>
               <a:t>https://commons.wikimedia.org/w/index.php?curid=68375072</a:t>
             </a:r>
-            <a:endParaRPr sz="600"/>
+            <a:endParaRPr sz="600" dirty="0"/>
           </a:p>
         </p:txBody>
       </p:sp>
@@ -35327,10 +35359,10 @@
               <a:buNone/>
             </a:pPr>
             <a:r>
-              <a:rPr lang="en-US" sz="3600"/>
+              <a:rPr lang="en-US" sz="3600" dirty="0"/>
               <a:t>Desired Reference Histogram</a:t>
             </a:r>
-            <a:endParaRPr sz="3600"/>
+            <a:endParaRPr sz="3600" dirty="0"/>
           </a:p>
         </p:txBody>
       </p:sp>
@@ -35372,10 +35404,10 @@
               <a:buNone/>
             </a:pPr>
             <a:r>
-              <a:rPr lang="en-US" sz="2400"/>
+              <a:rPr lang="en-US" sz="2400" dirty="0"/>
               <a:t>To be matched to this reference histogram to emphasize lower gray levels:</a:t>
             </a:r>
-            <a:endParaRPr sz="2400"/>
+            <a:endParaRPr sz="2400" dirty="0"/>
           </a:p>
         </p:txBody>
       </p:sp>
@@ -35414,11 +35446,19 @@
               <a:buNone/>
             </a:pPr>
             <a:r>
-              <a:rPr lang="en-US" sz="600"/>
-              <a:t>By Sinonalexander - Own work, CC BY-SA 4.0, </a:t>
+              <a:rPr lang="en-US" sz="600" dirty="0"/>
+              <a:t>By </a:t>
             </a:r>
             <a:r>
-              <a:rPr lang="en-US" sz="600" u="sng">
+              <a:rPr lang="en-US" sz="600" dirty="0" err="1"/>
+              <a:t>Sinonalexander</a:t>
+            </a:r>
+            <a:r>
+              <a:rPr lang="en-US" sz="600" dirty="0"/>
+              <a:t> - Own work, CC BY-SA 4.0, </a:t>
+            </a:r>
+            <a:r>
+              <a:rPr lang="en-US" sz="600" u="sng" dirty="0">
                 <a:solidFill>
                   <a:schemeClr val="hlink"/>
                 </a:solidFill>
@@ -35426,7 +35466,7 @@
               </a:rPr>
               <a:t>https://commons.wikimedia.org/w/index.php?curid=68375099</a:t>
             </a:r>
-            <a:endParaRPr sz="600"/>
+            <a:endParaRPr sz="600" dirty="0"/>
           </a:p>
         </p:txBody>
       </p:sp>
@@ -35564,17 +35604,17 @@
               <a:buNone/>
             </a:pPr>
             <a:r>
-              <a:rPr lang="en-US" sz="3600"/>
+              <a:rPr lang="en-US" sz="3600" dirty="0"/>
               <a:t>Histogram of Output Image</a:t>
             </a:r>
             <a:br>
-              <a:rPr lang="en-US" sz="3600"/>
+              <a:rPr lang="en-US" sz="3600" dirty="0"/>
             </a:br>
             <a:r>
-              <a:rPr lang="en-US" sz="3600"/>
+              <a:rPr lang="en-US" sz="3600" dirty="0"/>
               <a:t>After Matching</a:t>
             </a:r>
-            <a:endParaRPr sz="3600"/>
+            <a:endParaRPr sz="3600" dirty="0"/>
           </a:p>
         </p:txBody>
       </p:sp>
@@ -35616,10 +35656,10 @@
               <a:buNone/>
             </a:pPr>
             <a:r>
-              <a:rPr lang="en-US" sz="2400"/>
+              <a:rPr lang="en-US" sz="2400" dirty="0"/>
               <a:t>After matching, output image having following histogram:</a:t>
             </a:r>
-            <a:endParaRPr sz="2400"/>
+            <a:endParaRPr sz="2400" dirty="0"/>
           </a:p>
         </p:txBody>
       </p:sp>
@@ -35658,11 +35698,19 @@
               <a:buNone/>
             </a:pPr>
             <a:r>
-              <a:rPr lang="en-US" sz="600"/>
-              <a:t>By Sinonalexander - Own work, CC BY-SA 4.0, </a:t>
+              <a:rPr lang="en-US" sz="600" dirty="0"/>
+              <a:t>By </a:t>
             </a:r>
             <a:r>
-              <a:rPr lang="en-US" sz="600" u="sng">
+              <a:rPr lang="en-US" sz="600" dirty="0" err="1"/>
+              <a:t>Sinonalexander</a:t>
+            </a:r>
+            <a:r>
+              <a:rPr lang="en-US" sz="600" dirty="0"/>
+              <a:t> - Own work, CC BY-SA 4.0, </a:t>
+            </a:r>
+            <a:r>
+              <a:rPr lang="en-US" sz="600" u="sng" dirty="0">
                 <a:solidFill>
                   <a:schemeClr val="hlink"/>
                 </a:solidFill>
@@ -35670,7 +35718,7 @@
               </a:rPr>
               <a:t>https://commons.wikimedia.org/w/index.php?curid=68375072</a:t>
             </a:r>
-            <a:endParaRPr sz="600"/>
+            <a:endParaRPr sz="600" dirty="0"/>
           </a:p>
         </p:txBody>
       </p:sp>
@@ -35808,7 +35856,7 @@
               <a:buNone/>
             </a:pPr>
             <a:r>
-              <a:rPr lang="en-US" sz="3000">
+              <a:rPr lang="en-US" sz="3000" dirty="0">
                 <a:solidFill>
                   <a:schemeClr val="dk1"/>
                 </a:solidFill>
@@ -35816,21 +35864,21 @@
               <a:t>Output</a:t>
             </a:r>
             <a:br>
-              <a:rPr lang="en-US" sz="3000">
+              <a:rPr lang="en-US" sz="3000" dirty="0">
                 <a:solidFill>
                   <a:schemeClr val="dk1"/>
                 </a:solidFill>
               </a:rPr>
             </a:br>
             <a:r>
-              <a:rPr lang="en-US" sz="3000">
+              <a:rPr lang="en-US" sz="3000" dirty="0">
                 <a:solidFill>
                   <a:schemeClr val="dk1"/>
                 </a:solidFill>
               </a:rPr>
               <a:t>image after histogram matching</a:t>
             </a:r>
-            <a:endParaRPr sz="3000"/>
+            <a:endParaRPr sz="3000" dirty="0"/>
           </a:p>
         </p:txBody>
       </p:sp>
@@ -35869,11 +35917,19 @@
               <a:buNone/>
             </a:pPr>
             <a:r>
-              <a:rPr lang="en-US" sz="600"/>
-              <a:t>By Sinonalexander - Own work, CC BY-SA 4.0, </a:t>
+              <a:rPr lang="en-US" sz="600" dirty="0"/>
+              <a:t>By </a:t>
             </a:r>
             <a:r>
-              <a:rPr lang="en-US" sz="600" u="sng">
+              <a:rPr lang="en-US" sz="600" dirty="0" err="1"/>
+              <a:t>Sinonalexander</a:t>
+            </a:r>
+            <a:r>
+              <a:rPr lang="en-US" sz="600" dirty="0"/>
+              <a:t> - Own work, CC BY-SA 4.0, </a:t>
+            </a:r>
+            <a:r>
+              <a:rPr lang="en-US" sz="600" u="sng" dirty="0">
                 <a:solidFill>
                   <a:schemeClr val="hlink"/>
                 </a:solidFill>
@@ -35881,7 +35937,7 @@
               </a:rPr>
               <a:t>https://commons.wikimedia.org/w/index.php?curid=68375120</a:t>
             </a:r>
-            <a:endParaRPr sz="600"/>
+            <a:endParaRPr sz="600" dirty="0"/>
           </a:p>
         </p:txBody>
       </p:sp>
@@ -35920,10 +35976,10 @@
               <a:buNone/>
             </a:pPr>
             <a:r>
-              <a:rPr lang="en-US" sz="2400"/>
+              <a:rPr lang="en-US" sz="2400" dirty="0"/>
               <a:t>And looking like this:</a:t>
             </a:r>
-            <a:endParaRPr sz="2400"/>
+            <a:endParaRPr sz="2400" dirty="0"/>
           </a:p>
         </p:txBody>
       </p:sp>
@@ -36151,15 +36207,31 @@
               <a:buNone/>
             </a:pPr>
             <a:r>
-              <a:rPr lang="en-US" sz="600">
+              <a:rPr lang="en-US" sz="600" dirty="0">
                 <a:solidFill>
                   <a:schemeClr val="dk1"/>
                 </a:solidFill>
               </a:rPr>
-              <a:t>By Sinonalexander - Own work, CC BY-SA 4.0, </a:t>
+              <a:t>By </a:t>
             </a:r>
             <a:r>
-              <a:rPr lang="en-US" sz="600" u="sng">
+              <a:rPr lang="en-US" sz="600" dirty="0" err="1">
+                <a:solidFill>
+                  <a:schemeClr val="dk1"/>
+                </a:solidFill>
+              </a:rPr>
+              <a:t>Sinonalexander</a:t>
+            </a:r>
+            <a:r>
+              <a:rPr lang="en-US" sz="600" dirty="0">
+                <a:solidFill>
+                  <a:schemeClr val="dk1"/>
+                </a:solidFill>
+              </a:rPr>
+              <a:t> - Own work, CC BY-SA 4.0, </a:t>
+            </a:r>
+            <a:r>
+              <a:rPr lang="en-US" sz="600" u="sng" dirty="0">
                 <a:solidFill>
                   <a:schemeClr val="hlink"/>
                 </a:solidFill>
@@ -36167,7 +36239,7 @@
               </a:rPr>
               <a:t>https://commons.wikimedia.org/w/index.php?curid=68375000</a:t>
             </a:r>
-            <a:endParaRPr/>
+            <a:endParaRPr dirty="0"/>
           </a:p>
         </p:txBody>
       </p:sp>
@@ -37162,10 +37234,10 @@
               <a:buChar char="»"/>
             </a:pPr>
             <a:r>
-              <a:rPr lang="en-US"/>
+              <a:rPr lang="en-US" dirty="0"/>
               <a:t>Image histograms</a:t>
             </a:r>
-            <a:endParaRPr/>
+            <a:endParaRPr dirty="0"/>
           </a:p>
           <a:p>
             <a:pPr marL="334327" lvl="0" indent="-334327" algn="l" rtl="0">
@@ -37186,7 +37258,7 @@
               <a:buChar char="»"/>
             </a:pPr>
             <a:r>
-              <a:rPr lang="en-US">
+              <a:rPr lang="en-US" dirty="0">
                 <a:solidFill>
                   <a:schemeClr val="dk1"/>
                 </a:solidFill>
@@ -37194,21 +37266,21 @@
               <a:t>Histogram matching</a:t>
             </a:r>
             <a:br>
-              <a:rPr lang="en-US">
+              <a:rPr lang="en-US" dirty="0">
                 <a:solidFill>
                   <a:schemeClr val="dk1"/>
                 </a:solidFill>
               </a:rPr>
             </a:br>
             <a:r>
-              <a:rPr lang="en-US">
+              <a:rPr lang="en-US" dirty="0">
                 <a:solidFill>
                   <a:schemeClr val="dk1"/>
                 </a:solidFill>
               </a:rPr>
               <a:t>(histogram specification)</a:t>
             </a:r>
-            <a:endParaRPr/>
+            <a:endParaRPr dirty="0"/>
           </a:p>
           <a:p>
             <a:pPr marL="334327" marR="0" lvl="0" indent="-334327" algn="l" rtl="0">
@@ -37229,11 +37301,15 @@
               <a:buChar char="»"/>
             </a:pPr>
             <a:r>
-              <a:rPr lang="en-US"/>
-              <a:t>Histogram e</a:t>
+              <a:rPr lang="en-US" dirty="0"/>
+              <a:t>Histogram </a:t>
             </a:r>
             <a:r>
-              <a:rPr lang="en-US" sz="3082" b="0" i="0" u="none" strike="noStrike" cap="none">
+              <a:rPr lang="en-US" dirty="0" err="1"/>
+              <a:t>e</a:t>
+            </a:r>
+            <a:r>
+              <a:rPr lang="en-US" sz="3082" b="0" i="0" u="none" strike="noStrike" cap="none" dirty="0" err="1">
                 <a:solidFill>
                   <a:srgbClr val="000000"/>
                 </a:solidFill>
@@ -37244,7 +37320,7 @@
               </a:rPr>
               <a:t>qualisation</a:t>
             </a:r>
-            <a:endParaRPr/>
+            <a:endParaRPr dirty="0"/>
           </a:p>
           <a:p>
             <a:pPr marL="334328" marR="0" lvl="0" indent="-334328" algn="l" rtl="0">
@@ -37265,7 +37341,7 @@
               <a:buChar char="»"/>
             </a:pPr>
             <a:r>
-              <a:rPr lang="en-US" sz="3082" b="0" i="0" u="none" strike="noStrike" cap="none">
+              <a:rPr lang="en-US" sz="3082" b="0" i="0" u="none" strike="noStrike" cap="none" dirty="0">
                 <a:solidFill>
                   <a:srgbClr val="000000"/>
                 </a:solidFill>
@@ -37276,7 +37352,7 @@
               </a:rPr>
               <a:t>Image statistics</a:t>
             </a:r>
-            <a:endParaRPr sz="3082" b="0" i="0" u="none" strike="noStrike" cap="none">
+            <a:endParaRPr sz="3082" b="0" i="0" u="none" strike="noStrike" cap="none" dirty="0">
               <a:solidFill>
                 <a:srgbClr val="000000"/>
               </a:solidFill>
@@ -38952,10 +39028,10 @@
               <a:buNone/>
             </a:pPr>
             <a:r>
-              <a:rPr lang="en-US"/>
+              <a:rPr lang="en-US" dirty="0"/>
               <a:t>Image Histograms</a:t>
             </a:r>
-            <a:endParaRPr/>
+            <a:endParaRPr dirty="0"/>
           </a:p>
         </p:txBody>
       </p:sp>
@@ -39149,11 +39225,11 @@
               <a:buChar char="»"/>
             </a:pPr>
             <a:r>
-              <a:rPr lang="en-US" sz="2400"/>
+              <a:rPr lang="en-US" sz="2400" dirty="0"/>
               <a:t>Accurate representation of the </a:t>
             </a:r>
             <a:r>
-              <a:rPr lang="en-US" sz="2400" b="1">
+              <a:rPr lang="en-US" sz="2400" b="1" dirty="0">
                 <a:solidFill>
                   <a:srgbClr val="1E1E1E"/>
                 </a:solidFill>
@@ -39161,10 +39237,10 @@
               <a:t>distribution</a:t>
             </a:r>
             <a:r>
-              <a:rPr lang="en-US" sz="2400"/>
+              <a:rPr lang="en-US" sz="2400" dirty="0"/>
               <a:t> of numerical data</a:t>
             </a:r>
-            <a:endParaRPr sz="2400"/>
+            <a:endParaRPr sz="2400" dirty="0"/>
           </a:p>
           <a:p>
             <a:pPr marL="457200" lvl="0" indent="-381000" algn="l" rtl="0">
@@ -39181,11 +39257,11 @@
               <a:buChar char="»"/>
             </a:pPr>
             <a:r>
-              <a:rPr lang="en-US" sz="2400"/>
+              <a:rPr lang="en-US" sz="2400" dirty="0"/>
               <a:t>Estimating </a:t>
             </a:r>
             <a:r>
-              <a:rPr lang="en-US" sz="2400" b="1">
+              <a:rPr lang="en-US" sz="2400" b="1" dirty="0">
                 <a:solidFill>
                   <a:srgbClr val="1E1E1E"/>
                 </a:solidFill>
@@ -39193,11 +39269,11 @@
               <a:t>probability density function (PDF)</a:t>
             </a:r>
             <a:r>
-              <a:rPr lang="en-US" sz="2400"/>
+              <a:rPr lang="en-US" sz="2400" dirty="0"/>
               <a:t> of a </a:t>
             </a:r>
             <a:r>
-              <a:rPr lang="en-US" sz="2400" b="1">
+              <a:rPr lang="en-US" sz="2400" b="1" dirty="0">
                 <a:solidFill>
                   <a:srgbClr val="1E1E1E"/>
                 </a:solidFill>
@@ -39205,10 +39281,10 @@
               <a:t>continuous variable</a:t>
             </a:r>
             <a:r>
-              <a:rPr lang="en-US" sz="2400"/>
+              <a:rPr lang="en-US" sz="2400" dirty="0"/>
               <a:t> (quantitative variable)</a:t>
             </a:r>
-            <a:endParaRPr sz="2400"/>
+            <a:endParaRPr sz="2400" dirty="0"/>
           </a:p>
         </p:txBody>
       </p:sp>
@@ -39247,11 +39323,19 @@
               <a:buNone/>
             </a:pPr>
             <a:r>
-              <a:rPr lang="en-US" sz="600"/>
-              <a:t>By DanielPenfield - Own work, CC BY-SA 3.0, </a:t>
+              <a:rPr lang="en-US" sz="600" dirty="0"/>
+              <a:t>By </a:t>
             </a:r>
             <a:r>
-              <a:rPr lang="en-US" sz="600" u="sng">
+              <a:rPr lang="en-US" sz="600" dirty="0" err="1"/>
+              <a:t>DanielPenfield</a:t>
+            </a:r>
+            <a:r>
+              <a:rPr lang="en-US" sz="600" dirty="0"/>
+              <a:t> - Own work, CC BY-SA 3.0, </a:t>
+            </a:r>
+            <a:r>
+              <a:rPr lang="en-US" sz="600" u="sng" dirty="0">
                 <a:solidFill>
                   <a:schemeClr val="hlink"/>
                 </a:solidFill>
@@ -39259,7 +39343,7 @@
               </a:rPr>
               <a:t>https://commons.wikimedia.org/w/index.php?curid=9401898</a:t>
             </a:r>
-            <a:endParaRPr sz="600"/>
+            <a:endParaRPr sz="600" dirty="0"/>
           </a:p>
         </p:txBody>
       </p:sp>
@@ -39396,10 +39480,10 @@
               <a:buNone/>
             </a:pPr>
             <a:r>
-              <a:rPr lang="en-US"/>
+              <a:rPr lang="en-US" dirty="0"/>
               <a:t>Cumulative Histogram cont.</a:t>
             </a:r>
-            <a:endParaRPr/>
+            <a:endParaRPr dirty="0"/>
           </a:p>
         </p:txBody>
       </p:sp>
@@ -39439,7 +39523,7 @@
               <a:buChar char="»"/>
             </a:pPr>
             <a:r>
-              <a:rPr lang="en-US" sz="2400" b="1">
+              <a:rPr lang="en-US" sz="2400" b="1" dirty="0">
                 <a:solidFill>
                   <a:srgbClr val="1E1E1E"/>
                 </a:solidFill>
@@ -39447,18 +39531,18 @@
               <a:t>Histogram</a:t>
             </a:r>
             <a:r>
-              <a:rPr lang="en-US" sz="2400"/>
+              <a:rPr lang="en-US" sz="2400" dirty="0"/>
               <a:t> represented by </a:t>
             </a:r>
             <a:r>
-              <a:rPr lang="en-US" sz="2400" b="1">
+              <a:rPr lang="en-US" sz="2400" b="1" dirty="0">
                 <a:solidFill>
                   <a:srgbClr val="1E1E1E"/>
                 </a:solidFill>
               </a:rPr>
               <a:t>Cumulative Distribution Function (CDF)</a:t>
             </a:r>
-            <a:endParaRPr sz="2400" b="1">
+            <a:endParaRPr sz="2400" b="1" dirty="0">
               <a:solidFill>
                 <a:srgbClr val="1E1E1E"/>
               </a:solidFill>
@@ -39476,7 +39560,7 @@
               <a:buChar char="»"/>
             </a:pPr>
             <a:r>
-              <a:rPr lang="en-US" sz="2400" b="1">
+              <a:rPr lang="en-US" sz="2400" b="1" dirty="0">
                 <a:solidFill>
                   <a:srgbClr val="1E1E1E"/>
                 </a:solidFill>
@@ -39484,11 +39568,11 @@
               <a:t>CDF</a:t>
             </a:r>
             <a:r>
-              <a:rPr lang="en-US" sz="2400"/>
+              <a:rPr lang="en-US" sz="2400" dirty="0"/>
               <a:t> - </a:t>
             </a:r>
             <a:r>
-              <a:rPr lang="en-US" sz="2400" b="1">
+              <a:rPr lang="en-US" sz="2400" b="1" dirty="0">
                 <a:solidFill>
                   <a:srgbClr val="1E1E1E"/>
                 </a:solidFill>
@@ -39496,11 +39580,11 @@
               <a:t>probability</a:t>
             </a:r>
             <a:r>
-              <a:rPr lang="en-US" sz="2400"/>
+              <a:rPr lang="en-US" sz="2400" dirty="0"/>
               <a:t> that </a:t>
             </a:r>
             <a:r>
-              <a:rPr lang="en-US" sz="2400" b="1" i="1">
+              <a:rPr lang="en-US" sz="2400" b="1" i="1" dirty="0">
                 <a:solidFill>
                   <a:srgbClr val="1E1E1E"/>
                 </a:solidFill>
@@ -39512,7 +39596,7 @@
               <a:t>X </a:t>
             </a:r>
             <a:r>
-              <a:rPr lang="en-US" sz="2400" b="1">
+              <a:rPr lang="en-US" sz="2400" b="1" dirty="0">
                 <a:solidFill>
                   <a:srgbClr val="1E1E1E"/>
                 </a:solidFill>
@@ -39524,7 +39608,7 @@
               <a:t>≤ </a:t>
             </a:r>
             <a:r>
-              <a:rPr lang="en-US" sz="2400" b="1" i="1">
+              <a:rPr lang="en-US" sz="2400" b="1" i="1" dirty="0">
                 <a:solidFill>
                   <a:srgbClr val="1E1E1E"/>
                 </a:solidFill>
@@ -39536,10 +39620,10 @@
               <a:t>x</a:t>
             </a:r>
             <a:r>
-              <a:rPr lang="en-US" sz="2400"/>
+              <a:rPr lang="en-US" sz="2400" dirty="0"/>
               <a:t>.</a:t>
             </a:r>
-            <a:endParaRPr sz="2400"/>
+            <a:endParaRPr sz="2400" dirty="0"/>
           </a:p>
           <a:p>
             <a:pPr marL="457200" lvl="0" indent="-381000" algn="l" rtl="0">
@@ -39553,10 +39637,10 @@
               <a:buChar char="»"/>
             </a:pPr>
             <a:r>
-              <a:rPr lang="en-US" sz="2400"/>
+              <a:rPr lang="en-US" sz="2400" dirty="0"/>
               <a:t>For example, X - delay between two endpoints in seconds</a:t>
             </a:r>
-            <a:endParaRPr sz="2400"/>
+            <a:endParaRPr sz="2400" dirty="0"/>
           </a:p>
         </p:txBody>
       </p:sp>
@@ -39595,11 +39679,19 @@
               <a:buNone/>
             </a:pPr>
             <a:r>
-              <a:rPr lang="en-US" sz="600"/>
-              <a:t>By Inductiveload - self-made, Mathematica, Inkscape, Public Domain, </a:t>
+              <a:rPr lang="en-US" sz="600" dirty="0"/>
+              <a:t>By </a:t>
             </a:r>
             <a:r>
-              <a:rPr lang="en-US" sz="600" u="sng">
+              <a:rPr lang="en-US" sz="600" dirty="0" err="1"/>
+              <a:t>Inductiveload</a:t>
+            </a:r>
+            <a:r>
+              <a:rPr lang="en-US" sz="600" dirty="0"/>
+              <a:t> - self-made, Mathematica, Inkscape, Public Domain, </a:t>
+            </a:r>
+            <a:r>
+              <a:rPr lang="en-US" sz="600" u="sng" dirty="0">
                 <a:solidFill>
                   <a:schemeClr val="hlink"/>
                 </a:solidFill>
@@ -39607,7 +39699,7 @@
               </a:rPr>
               <a:t>https://commons.wikimedia.org/w/index.php?curid=3817960</a:t>
             </a:r>
-            <a:endParaRPr sz="600"/>
+            <a:endParaRPr sz="600" dirty="0"/>
           </a:p>
         </p:txBody>
       </p:sp>
@@ -39745,10 +39837,10 @@
               <a:buNone/>
             </a:pPr>
             <a:r>
-              <a:rPr lang="en-US"/>
+              <a:rPr lang="en-US" dirty="0"/>
               <a:t>Cumulative Histogram</a:t>
             </a:r>
-            <a:endParaRPr/>
+            <a:endParaRPr dirty="0"/>
           </a:p>
         </p:txBody>
       </p:sp>
@@ -39787,11 +39879,19 @@
               <a:buNone/>
             </a:pPr>
             <a:r>
-              <a:rPr lang="en-US" sz="600"/>
-              <a:t>By Kierano - Own work, CC BY-SA 3.0, </a:t>
+              <a:rPr lang="en-US" sz="600" dirty="0"/>
+              <a:t>By </a:t>
             </a:r>
             <a:r>
-              <a:rPr lang="en-US" sz="600" u="sng">
+              <a:rPr lang="en-US" sz="600" dirty="0" err="1"/>
+              <a:t>Kierano</a:t>
+            </a:r>
+            <a:r>
+              <a:rPr lang="en-US" sz="600" dirty="0"/>
+              <a:t> - Own work, CC BY-SA 3.0, </a:t>
+            </a:r>
+            <a:r>
+              <a:rPr lang="en-US" sz="600" u="sng" dirty="0">
                 <a:solidFill>
                   <a:schemeClr val="hlink"/>
                 </a:solidFill>
@@ -39800,10 +39900,10 @@
               <a:t>https://commons.wikimedia.org/w/index.php?curid=6428627</a:t>
             </a:r>
             <a:r>
-              <a:rPr lang="en-US" sz="600"/>
+              <a:rPr lang="en-US" sz="600" dirty="0"/>
               <a:t> </a:t>
             </a:r>
-            <a:endParaRPr sz="600"/>
+            <a:endParaRPr sz="600" dirty="0"/>
           </a:p>
         </p:txBody>
       </p:sp>
@@ -39945,7 +40045,7 @@
               <a:buNone/>
             </a:pPr>
             <a:r>
-              <a:rPr lang="en-US" sz="4281" b="0" i="0" u="none" strike="noStrike" cap="none">
+              <a:rPr lang="en-US" sz="4281" b="0" i="0" u="none" strike="noStrike" cap="none" dirty="0">
                 <a:solidFill>
                   <a:srgbClr val="000000"/>
                 </a:solidFill>
@@ -39956,7 +40056,7 @@
               </a:rPr>
               <a:t>Image Histogram</a:t>
             </a:r>
-            <a:endParaRPr sz="4281" b="0" i="0" u="none" strike="noStrike" cap="none">
+            <a:endParaRPr sz="4281" b="0" i="0" u="none" strike="noStrike" cap="none" dirty="0">
               <a:solidFill>
                 <a:srgbClr val="000000"/>
               </a:solidFill>
@@ -40492,7 +40592,7 @@
                 <a:cs typeface="Arial"/>
                 <a:sym typeface="Arial"/>
               </a:rPr>
-              <a:t>– number of pixels in that particular tone</a:t>
+              <a:t>– number of pixels in that tone</a:t>
             </a:r>
             <a:endParaRPr sz="2400" b="0" i="0" u="none" strike="noStrike" cap="none" dirty="0">
               <a:solidFill>
@@ -40616,7 +40716,7 @@
               <a:buNone/>
             </a:pPr>
             <a:r>
-              <a:rPr lang="en-US" sz="3600" b="0" i="0" u="none" strike="noStrike" cap="none">
+              <a:rPr lang="en-US" sz="3600" b="0" i="0" u="none" strike="noStrike" cap="none" dirty="0">
                 <a:solidFill>
                   <a:srgbClr val="000000"/>
                 </a:solidFill>
@@ -40628,14 +40728,14 @@
               <a:t>Sunflower Image an</a:t>
             </a:r>
             <a:r>
-              <a:rPr lang="en-US" sz="3600"/>
+              <a:rPr lang="en-US" sz="3600" dirty="0"/>
               <a:t>d</a:t>
             </a:r>
             <a:br>
-              <a:rPr lang="en-US" sz="3600"/>
+              <a:rPr lang="en-US" sz="3600" dirty="0"/>
             </a:br>
             <a:r>
-              <a:rPr lang="en-US" sz="3600" b="0" i="0" u="none" strike="noStrike" cap="none">
+              <a:rPr lang="en-US" sz="3600" b="0" i="0" u="none" strike="noStrike" cap="none" dirty="0">
                 <a:solidFill>
                   <a:srgbClr val="000000"/>
                 </a:solidFill>
@@ -40646,7 +40746,7 @@
               </a:rPr>
               <a:t>Its Histogram(s)</a:t>
             </a:r>
-            <a:endParaRPr sz="3600" b="0" i="0" u="none" strike="noStrike" cap="none">
+            <a:endParaRPr sz="3600" b="0" i="0" u="none" strike="noStrike" cap="none" dirty="0">
               <a:solidFill>
                 <a:srgbClr val="000000"/>
               </a:solidFill>
@@ -40853,10 +40953,9 @@
               <a:buNone/>
             </a:pPr>
             <a:r>
-              <a:rPr lang="en-US"/>
+              <a:rPr lang="en-US" dirty="0"/>
               <a:t>Curve (Tonality)</a:t>
             </a:r>
-            <a:endParaRPr/>
           </a:p>
         </p:txBody>
       </p:sp>
@@ -41111,11 +41210,19 @@
               <a:buNone/>
             </a:pPr>
             <a:r>
-              <a:rPr lang="en-US" sz="600"/>
-              <a:t>By Magnus Lewan - own photo and screen shot from the Gimp, CC BY-SA 3.0, </a:t>
+              <a:rPr lang="en-US" sz="600" dirty="0"/>
+              <a:t>By Magnus </a:t>
             </a:r>
             <a:r>
-              <a:rPr lang="en-US" sz="600" u="sng">
+              <a:rPr lang="en-US" sz="600" dirty="0" err="1"/>
+              <a:t>Lewan</a:t>
+            </a:r>
+            <a:r>
+              <a:rPr lang="en-US" sz="600" dirty="0"/>
+              <a:t> - own photo and screen shot from the Gimp, CC BY-SA 3.0, </a:t>
+            </a:r>
+            <a:r>
+              <a:rPr lang="en-US" sz="600" u="sng" dirty="0">
                 <a:solidFill>
                   <a:schemeClr val="hlink"/>
                 </a:solidFill>
@@ -41124,10 +41231,10 @@
               <a:t>https://commons.wikimedia.org/w/index.php?curid=1446140</a:t>
             </a:r>
             <a:r>
-              <a:rPr lang="en-US" sz="600"/>
+              <a:rPr lang="en-US" sz="600" dirty="0"/>
               <a:t> </a:t>
             </a:r>
-            <a:endParaRPr sz="600"/>
+            <a:endParaRPr sz="600" dirty="0"/>
           </a:p>
         </p:txBody>
       </p:sp>
@@ -41166,11 +41273,19 @@
               <a:buNone/>
             </a:pPr>
             <a:r>
-              <a:rPr lang="en-US" sz="600"/>
-              <a:t>By Magnus Lewan - own photo and screen shot from the Gimp, CC BY-SA 3.0, </a:t>
+              <a:rPr lang="en-US" sz="600" dirty="0"/>
+              <a:t>By Magnus </a:t>
             </a:r>
             <a:r>
-              <a:rPr lang="en-US" sz="600" u="sng">
+              <a:rPr lang="en-US" sz="600" dirty="0" err="1"/>
+              <a:t>Lewan</a:t>
+            </a:r>
+            <a:r>
+              <a:rPr lang="en-US" sz="600" dirty="0"/>
+              <a:t> - own photo and screen shot from the Gimp, CC BY-SA 3.0, </a:t>
+            </a:r>
+            <a:r>
+              <a:rPr lang="en-US" sz="600" u="sng" dirty="0">
                 <a:solidFill>
                   <a:schemeClr val="hlink"/>
                 </a:solidFill>
@@ -41178,7 +41293,7 @@
               </a:rPr>
               <a:t>https://commons.wikimedia.org/w/index.php?curid=1446146</a:t>
             </a:r>
-            <a:endParaRPr sz="600"/>
+            <a:endParaRPr sz="600" dirty="0"/>
           </a:p>
         </p:txBody>
       </p:sp>
